--- a/Documents/workspace-spring-tool-suite-4-4.14.0.RELEASE/swiggy documentation/Swiggy Application documentation.pptx
+++ b/Documents/workspace-spring-tool-suite-4-4.14.0.RELEASE/swiggy documentation/Swiggy Application documentation.pptx
@@ -5,17 +5,23 @@
     <p:sldMasterId id="2147483648" r:id="rId1"/>
   </p:sldMasterIdLst>
   <p:sldIdLst>
-    <p:sldId id="256" r:id="rId3"/>
-    <p:sldId id="257" r:id="rId4"/>
-    <p:sldId id="258" r:id="rId5"/>
-    <p:sldId id="259" r:id="rId6"/>
-    <p:sldId id="260" r:id="rId7"/>
-    <p:sldId id="261" r:id="rId8"/>
-    <p:sldId id="262" r:id="rId9"/>
-    <p:sldId id="263" r:id="rId10"/>
-    <p:sldId id="264" r:id="rId11"/>
-    <p:sldId id="265" r:id="rId12"/>
-    <p:sldId id="266" r:id="rId13"/>
+    <p:sldId id="256" r:id="rId2"/>
+    <p:sldId id="257" r:id="rId3"/>
+    <p:sldId id="258" r:id="rId4"/>
+    <p:sldId id="259" r:id="rId5"/>
+    <p:sldId id="260" r:id="rId6"/>
+    <p:sldId id="261" r:id="rId7"/>
+    <p:sldId id="262" r:id="rId8"/>
+    <p:sldId id="267" r:id="rId9"/>
+    <p:sldId id="268" r:id="rId10"/>
+    <p:sldId id="269" r:id="rId11"/>
+    <p:sldId id="270" r:id="rId12"/>
+    <p:sldId id="271" r:id="rId13"/>
+    <p:sldId id="272" r:id="rId14"/>
+    <p:sldId id="263" r:id="rId15"/>
+    <p:sldId id="264" r:id="rId16"/>
+    <p:sldId id="265" r:id="rId17"/>
+    <p:sldId id="266" r:id="rId18"/>
   </p:sldIdLst>
   <p:sldSz cx="12192000" cy="6858000"/>
   <p:notesSz cx="6858000" cy="9144000"/>
@@ -114,6 +120,11 @@
       </a:defRPr>
     </a:lvl9pPr>
   </p:defaultTextStyle>
+  <p:extLst>
+    <p:ext uri="{EFAFB233-063F-42B5-8137-9DF3F51BA10A}">
+      <p15:sldGuideLst xmlns:p15="http://schemas.microsoft.com/office/powerpoint/2012/main"/>
+    </p:ext>
+  </p:extLst>
 </p:presentation>
 </file>
 
@@ -159,10 +170,9 @@
           </a:lstStyle>
           <a:p>
             <a:r>
-              <a:rPr lang="en-US" smtClean="0"/>
+              <a:rPr lang="en-US"/>
               <a:t>Click to edit Master title style</a:t>
             </a:r>
-            <a:endParaRPr lang="en-US"/>
           </a:p>
         </p:txBody>
       </p:sp>
@@ -224,10 +234,9 @@
           </a:lstStyle>
           <a:p>
             <a:r>
-              <a:rPr lang="en-US" smtClean="0"/>
+              <a:rPr lang="en-US"/>
               <a:t>Click to edit Master subtitle style</a:t>
             </a:r>
-            <a:endParaRPr lang="en-US"/>
           </a:p>
         </p:txBody>
       </p:sp>
@@ -248,6 +257,7 @@
           <a:p>
             <a:fld id="{63A1C593-65D0-4073-BCC9-577B9352EA97}" type="datetimeFigureOut">
               <a:rPr lang="en-US" smtClean="0"/>
+              <a:t>6/1/2022</a:t>
             </a:fld>
             <a:endParaRPr lang="en-US"/>
           </a:p>
@@ -289,6 +299,7 @@
           <a:p>
             <a:fld id="{9B618960-8005-486C-9A75-10CB2AAC16F9}" type="slidenum">
               <a:rPr lang="en-US" smtClean="0"/>
+              <a:t>‹#›</a:t>
             </a:fld>
             <a:endParaRPr lang="en-US"/>
           </a:p>
@@ -335,10 +346,9 @@
           <a:lstStyle/>
           <a:p>
             <a:r>
-              <a:rPr lang="en-US" smtClean="0"/>
+              <a:rPr lang="en-US"/>
               <a:t>Click to edit Master title style</a:t>
             </a:r>
-            <a:endParaRPr lang="en-US"/>
           </a:p>
         </p:txBody>
       </p:sp>
@@ -359,42 +369,37 @@
           <a:p>
             <a:pPr lvl="0"/>
             <a:r>
-              <a:rPr lang="en-US" smtClean="0"/>
+              <a:rPr lang="en-US"/>
               <a:t>Click to edit Master text styles</a:t>
             </a:r>
-            <a:endParaRPr lang="en-US" smtClean="0"/>
           </a:p>
           <a:p>
             <a:pPr lvl="1"/>
             <a:r>
-              <a:rPr lang="en-US" smtClean="0"/>
+              <a:rPr lang="en-US"/>
               <a:t>Second level</a:t>
             </a:r>
-            <a:endParaRPr lang="en-US" smtClean="0"/>
           </a:p>
           <a:p>
             <a:pPr lvl="2"/>
             <a:r>
-              <a:rPr lang="en-US" smtClean="0"/>
+              <a:rPr lang="en-US"/>
               <a:t>Third level</a:t>
             </a:r>
-            <a:endParaRPr lang="en-US" smtClean="0"/>
           </a:p>
           <a:p>
             <a:pPr lvl="3"/>
             <a:r>
-              <a:rPr lang="en-US" smtClean="0"/>
+              <a:rPr lang="en-US"/>
               <a:t>Fourth level</a:t>
             </a:r>
-            <a:endParaRPr lang="en-US" smtClean="0"/>
           </a:p>
           <a:p>
             <a:pPr lvl="4"/>
             <a:r>
-              <a:rPr lang="en-US" smtClean="0"/>
+              <a:rPr lang="en-US"/>
               <a:t>Fifth level</a:t>
             </a:r>
-            <a:endParaRPr lang="en-US"/>
           </a:p>
         </p:txBody>
       </p:sp>
@@ -415,6 +420,7 @@
           <a:p>
             <a:fld id="{63A1C593-65D0-4073-BCC9-577B9352EA97}" type="datetimeFigureOut">
               <a:rPr lang="en-US" smtClean="0"/>
+              <a:t>6/1/2022</a:t>
             </a:fld>
             <a:endParaRPr lang="en-US"/>
           </a:p>
@@ -456,6 +462,7 @@
           <a:p>
             <a:fld id="{9B618960-8005-486C-9A75-10CB2AAC16F9}" type="slidenum">
               <a:rPr lang="en-US" smtClean="0"/>
+              <a:t>‹#›</a:t>
             </a:fld>
             <a:endParaRPr lang="en-US"/>
           </a:p>
@@ -507,10 +514,9 @@
           <a:lstStyle/>
           <a:p>
             <a:r>
-              <a:rPr lang="en-US" smtClean="0"/>
+              <a:rPr lang="en-US"/>
               <a:t>Click to edit Master title style</a:t>
             </a:r>
-            <a:endParaRPr lang="en-US"/>
           </a:p>
         </p:txBody>
       </p:sp>
@@ -536,42 +542,37 @@
           <a:p>
             <a:pPr lvl="0"/>
             <a:r>
-              <a:rPr lang="en-US" smtClean="0"/>
+              <a:rPr lang="en-US"/>
               <a:t>Click to edit Master text styles</a:t>
             </a:r>
-            <a:endParaRPr lang="en-US" smtClean="0"/>
           </a:p>
           <a:p>
             <a:pPr lvl="1"/>
             <a:r>
-              <a:rPr lang="en-US" smtClean="0"/>
+              <a:rPr lang="en-US"/>
               <a:t>Second level</a:t>
             </a:r>
-            <a:endParaRPr lang="en-US" smtClean="0"/>
           </a:p>
           <a:p>
             <a:pPr lvl="2"/>
             <a:r>
-              <a:rPr lang="en-US" smtClean="0"/>
+              <a:rPr lang="en-US"/>
               <a:t>Third level</a:t>
             </a:r>
-            <a:endParaRPr lang="en-US" smtClean="0"/>
           </a:p>
           <a:p>
             <a:pPr lvl="3"/>
             <a:r>
-              <a:rPr lang="en-US" smtClean="0"/>
+              <a:rPr lang="en-US"/>
               <a:t>Fourth level</a:t>
             </a:r>
-            <a:endParaRPr lang="en-US" smtClean="0"/>
           </a:p>
           <a:p>
             <a:pPr lvl="4"/>
             <a:r>
-              <a:rPr lang="en-US" smtClean="0"/>
+              <a:rPr lang="en-US"/>
               <a:t>Fifth level</a:t>
             </a:r>
-            <a:endParaRPr lang="en-US"/>
           </a:p>
         </p:txBody>
       </p:sp>
@@ -592,6 +593,7 @@
           <a:p>
             <a:fld id="{63A1C593-65D0-4073-BCC9-577B9352EA97}" type="datetimeFigureOut">
               <a:rPr lang="en-US" smtClean="0"/>
+              <a:t>6/1/2022</a:t>
             </a:fld>
             <a:endParaRPr lang="en-US"/>
           </a:p>
@@ -633,6 +635,7 @@
           <a:p>
             <a:fld id="{9B618960-8005-486C-9A75-10CB2AAC16F9}" type="slidenum">
               <a:rPr lang="en-US" smtClean="0"/>
+              <a:t>‹#›</a:t>
             </a:fld>
             <a:endParaRPr lang="en-US"/>
           </a:p>
@@ -679,10 +682,9 @@
           <a:lstStyle/>
           <a:p>
             <a:r>
-              <a:rPr lang="en-US" smtClean="0"/>
+              <a:rPr lang="en-US"/>
               <a:t>Click to edit Master title style</a:t>
             </a:r>
-            <a:endParaRPr lang="en-US"/>
           </a:p>
         </p:txBody>
       </p:sp>
@@ -703,42 +705,37 @@
           <a:p>
             <a:pPr lvl="0"/>
             <a:r>
-              <a:rPr lang="en-US" smtClean="0"/>
+              <a:rPr lang="en-US"/>
               <a:t>Click to edit Master text styles</a:t>
             </a:r>
-            <a:endParaRPr lang="en-US" smtClean="0"/>
           </a:p>
           <a:p>
             <a:pPr lvl="1"/>
             <a:r>
-              <a:rPr lang="en-US" smtClean="0"/>
+              <a:rPr lang="en-US"/>
               <a:t>Second level</a:t>
             </a:r>
-            <a:endParaRPr lang="en-US" smtClean="0"/>
           </a:p>
           <a:p>
             <a:pPr lvl="2"/>
             <a:r>
-              <a:rPr lang="en-US" smtClean="0"/>
+              <a:rPr lang="en-US"/>
               <a:t>Third level</a:t>
             </a:r>
-            <a:endParaRPr lang="en-US" smtClean="0"/>
           </a:p>
           <a:p>
             <a:pPr lvl="3"/>
             <a:r>
-              <a:rPr lang="en-US" smtClean="0"/>
+              <a:rPr lang="en-US"/>
               <a:t>Fourth level</a:t>
             </a:r>
-            <a:endParaRPr lang="en-US" smtClean="0"/>
           </a:p>
           <a:p>
             <a:pPr lvl="4"/>
             <a:r>
-              <a:rPr lang="en-US" smtClean="0"/>
+              <a:rPr lang="en-US"/>
               <a:t>Fifth level</a:t>
             </a:r>
-            <a:endParaRPr lang="en-US"/>
           </a:p>
         </p:txBody>
       </p:sp>
@@ -759,6 +756,7 @@
           <a:p>
             <a:fld id="{63A1C593-65D0-4073-BCC9-577B9352EA97}" type="datetimeFigureOut">
               <a:rPr lang="en-US" smtClean="0"/>
+              <a:t>6/1/2022</a:t>
             </a:fld>
             <a:endParaRPr lang="en-US"/>
           </a:p>
@@ -800,6 +798,7 @@
           <a:p>
             <a:fld id="{9B618960-8005-486C-9A75-10CB2AAC16F9}" type="slidenum">
               <a:rPr lang="en-US" smtClean="0"/>
+              <a:t>‹#›</a:t>
             </a:fld>
             <a:endParaRPr lang="en-US"/>
           </a:p>
@@ -855,10 +854,9 @@
           </a:lstStyle>
           <a:p>
             <a:r>
-              <a:rPr lang="en-US" smtClean="0"/>
+              <a:rPr lang="en-US"/>
               <a:t>Click to edit Master title style</a:t>
             </a:r>
-            <a:endParaRPr lang="en-US"/>
           </a:p>
         </p:txBody>
       </p:sp>
@@ -975,10 +973,9 @@
           <a:p>
             <a:pPr lvl="0"/>
             <a:r>
-              <a:rPr lang="en-US" smtClean="0"/>
+              <a:rPr lang="en-US"/>
               <a:t>Click to edit Master text styles</a:t>
             </a:r>
-            <a:endParaRPr lang="en-US" smtClean="0"/>
           </a:p>
         </p:txBody>
       </p:sp>
@@ -999,6 +996,7 @@
           <a:p>
             <a:fld id="{63A1C593-65D0-4073-BCC9-577B9352EA97}" type="datetimeFigureOut">
               <a:rPr lang="en-US" smtClean="0"/>
+              <a:t>6/1/2022</a:t>
             </a:fld>
             <a:endParaRPr lang="en-US"/>
           </a:p>
@@ -1040,6 +1038,7 @@
           <a:p>
             <a:fld id="{9B618960-8005-486C-9A75-10CB2AAC16F9}" type="slidenum">
               <a:rPr lang="en-US" smtClean="0"/>
+              <a:t>‹#›</a:t>
             </a:fld>
             <a:endParaRPr lang="en-US"/>
           </a:p>
@@ -1086,10 +1085,9 @@
           <a:lstStyle/>
           <a:p>
             <a:r>
-              <a:rPr lang="en-US" smtClean="0"/>
+              <a:rPr lang="en-US"/>
               <a:t>Click to edit Master title style</a:t>
             </a:r>
-            <a:endParaRPr lang="en-US"/>
           </a:p>
         </p:txBody>
       </p:sp>
@@ -1115,42 +1113,37 @@
           <a:p>
             <a:pPr lvl="0"/>
             <a:r>
-              <a:rPr lang="en-US" smtClean="0"/>
+              <a:rPr lang="en-US"/>
               <a:t>Click to edit Master text styles</a:t>
             </a:r>
-            <a:endParaRPr lang="en-US" smtClean="0"/>
           </a:p>
           <a:p>
             <a:pPr lvl="1"/>
             <a:r>
-              <a:rPr lang="en-US" smtClean="0"/>
+              <a:rPr lang="en-US"/>
               <a:t>Second level</a:t>
             </a:r>
-            <a:endParaRPr lang="en-US" smtClean="0"/>
           </a:p>
           <a:p>
             <a:pPr lvl="2"/>
             <a:r>
-              <a:rPr lang="en-US" smtClean="0"/>
+              <a:rPr lang="en-US"/>
               <a:t>Third level</a:t>
             </a:r>
-            <a:endParaRPr lang="en-US" smtClean="0"/>
           </a:p>
           <a:p>
             <a:pPr lvl="3"/>
             <a:r>
-              <a:rPr lang="en-US" smtClean="0"/>
+              <a:rPr lang="en-US"/>
               <a:t>Fourth level</a:t>
             </a:r>
-            <a:endParaRPr lang="en-US" smtClean="0"/>
           </a:p>
           <a:p>
             <a:pPr lvl="4"/>
             <a:r>
-              <a:rPr lang="en-US" smtClean="0"/>
+              <a:rPr lang="en-US"/>
               <a:t>Fifth level</a:t>
             </a:r>
-            <a:endParaRPr lang="en-US"/>
           </a:p>
         </p:txBody>
       </p:sp>
@@ -1176,42 +1169,37 @@
           <a:p>
             <a:pPr lvl="0"/>
             <a:r>
-              <a:rPr lang="en-US" smtClean="0"/>
+              <a:rPr lang="en-US"/>
               <a:t>Click to edit Master text styles</a:t>
             </a:r>
-            <a:endParaRPr lang="en-US" smtClean="0"/>
           </a:p>
           <a:p>
             <a:pPr lvl="1"/>
             <a:r>
-              <a:rPr lang="en-US" smtClean="0"/>
+              <a:rPr lang="en-US"/>
               <a:t>Second level</a:t>
             </a:r>
-            <a:endParaRPr lang="en-US" smtClean="0"/>
           </a:p>
           <a:p>
             <a:pPr lvl="2"/>
             <a:r>
-              <a:rPr lang="en-US" smtClean="0"/>
+              <a:rPr lang="en-US"/>
               <a:t>Third level</a:t>
             </a:r>
-            <a:endParaRPr lang="en-US" smtClean="0"/>
           </a:p>
           <a:p>
             <a:pPr lvl="3"/>
             <a:r>
-              <a:rPr lang="en-US" smtClean="0"/>
+              <a:rPr lang="en-US"/>
               <a:t>Fourth level</a:t>
             </a:r>
-            <a:endParaRPr lang="en-US" smtClean="0"/>
           </a:p>
           <a:p>
             <a:pPr lvl="4"/>
             <a:r>
-              <a:rPr lang="en-US" smtClean="0"/>
+              <a:rPr lang="en-US"/>
               <a:t>Fifth level</a:t>
             </a:r>
-            <a:endParaRPr lang="en-US"/>
           </a:p>
         </p:txBody>
       </p:sp>
@@ -1232,6 +1220,7 @@
           <a:p>
             <a:fld id="{63A1C593-65D0-4073-BCC9-577B9352EA97}" type="datetimeFigureOut">
               <a:rPr lang="en-US" smtClean="0"/>
+              <a:t>6/1/2022</a:t>
             </a:fld>
             <a:endParaRPr lang="en-US"/>
           </a:p>
@@ -1273,6 +1262,7 @@
           <a:p>
             <a:fld id="{9B618960-8005-486C-9A75-10CB2AAC16F9}" type="slidenum">
               <a:rPr lang="en-US" smtClean="0"/>
+              <a:t>‹#›</a:t>
             </a:fld>
             <a:endParaRPr lang="en-US"/>
           </a:p>
@@ -1324,10 +1314,9 @@
           <a:lstStyle/>
           <a:p>
             <a:r>
-              <a:rPr lang="en-US" smtClean="0"/>
+              <a:rPr lang="en-US"/>
               <a:t>Click to edit Master title style</a:t>
             </a:r>
-            <a:endParaRPr lang="en-US"/>
           </a:p>
         </p:txBody>
       </p:sp>
@@ -1390,10 +1379,9 @@
           <a:p>
             <a:pPr lvl="0"/>
             <a:r>
-              <a:rPr lang="en-US" smtClean="0"/>
+              <a:rPr lang="en-US"/>
               <a:t>Click to edit Master text styles</a:t>
             </a:r>
-            <a:endParaRPr lang="en-US" smtClean="0"/>
           </a:p>
         </p:txBody>
       </p:sp>
@@ -1419,42 +1407,37 @@
           <a:p>
             <a:pPr lvl="0"/>
             <a:r>
-              <a:rPr lang="en-US" smtClean="0"/>
+              <a:rPr lang="en-US"/>
               <a:t>Click to edit Master text styles</a:t>
             </a:r>
-            <a:endParaRPr lang="en-US" smtClean="0"/>
           </a:p>
           <a:p>
             <a:pPr lvl="1"/>
             <a:r>
-              <a:rPr lang="en-US" smtClean="0"/>
+              <a:rPr lang="en-US"/>
               <a:t>Second level</a:t>
             </a:r>
-            <a:endParaRPr lang="en-US" smtClean="0"/>
           </a:p>
           <a:p>
             <a:pPr lvl="2"/>
             <a:r>
-              <a:rPr lang="en-US" smtClean="0"/>
+              <a:rPr lang="en-US"/>
               <a:t>Third level</a:t>
             </a:r>
-            <a:endParaRPr lang="en-US" smtClean="0"/>
           </a:p>
           <a:p>
             <a:pPr lvl="3"/>
             <a:r>
-              <a:rPr lang="en-US" smtClean="0"/>
+              <a:rPr lang="en-US"/>
               <a:t>Fourth level</a:t>
             </a:r>
-            <a:endParaRPr lang="en-US" smtClean="0"/>
           </a:p>
           <a:p>
             <a:pPr lvl="4"/>
             <a:r>
-              <a:rPr lang="en-US" smtClean="0"/>
+              <a:rPr lang="en-US"/>
               <a:t>Fifth level</a:t>
             </a:r>
-            <a:endParaRPr lang="en-US"/>
           </a:p>
         </p:txBody>
       </p:sp>
@@ -1517,10 +1500,9 @@
           <a:p>
             <a:pPr lvl="0"/>
             <a:r>
-              <a:rPr lang="en-US" smtClean="0"/>
+              <a:rPr lang="en-US"/>
               <a:t>Click to edit Master text styles</a:t>
             </a:r>
-            <a:endParaRPr lang="en-US" smtClean="0"/>
           </a:p>
         </p:txBody>
       </p:sp>
@@ -1546,42 +1528,37 @@
           <a:p>
             <a:pPr lvl="0"/>
             <a:r>
-              <a:rPr lang="en-US" smtClean="0"/>
+              <a:rPr lang="en-US"/>
               <a:t>Click to edit Master text styles</a:t>
             </a:r>
-            <a:endParaRPr lang="en-US" smtClean="0"/>
           </a:p>
           <a:p>
             <a:pPr lvl="1"/>
             <a:r>
-              <a:rPr lang="en-US" smtClean="0"/>
+              <a:rPr lang="en-US"/>
               <a:t>Second level</a:t>
             </a:r>
-            <a:endParaRPr lang="en-US" smtClean="0"/>
           </a:p>
           <a:p>
             <a:pPr lvl="2"/>
             <a:r>
-              <a:rPr lang="en-US" smtClean="0"/>
+              <a:rPr lang="en-US"/>
               <a:t>Third level</a:t>
             </a:r>
-            <a:endParaRPr lang="en-US" smtClean="0"/>
           </a:p>
           <a:p>
             <a:pPr lvl="3"/>
             <a:r>
-              <a:rPr lang="en-US" smtClean="0"/>
+              <a:rPr lang="en-US"/>
               <a:t>Fourth level</a:t>
             </a:r>
-            <a:endParaRPr lang="en-US" smtClean="0"/>
           </a:p>
           <a:p>
             <a:pPr lvl="4"/>
             <a:r>
-              <a:rPr lang="en-US" smtClean="0"/>
+              <a:rPr lang="en-US"/>
               <a:t>Fifth level</a:t>
             </a:r>
-            <a:endParaRPr lang="en-US"/>
           </a:p>
         </p:txBody>
       </p:sp>
@@ -1602,6 +1579,7 @@
           <a:p>
             <a:fld id="{63A1C593-65D0-4073-BCC9-577B9352EA97}" type="datetimeFigureOut">
               <a:rPr lang="en-US" smtClean="0"/>
+              <a:t>6/1/2022</a:t>
             </a:fld>
             <a:endParaRPr lang="en-US"/>
           </a:p>
@@ -1643,6 +1621,7 @@
           <a:p>
             <a:fld id="{9B618960-8005-486C-9A75-10CB2AAC16F9}" type="slidenum">
               <a:rPr lang="en-US" smtClean="0"/>
+              <a:t>‹#›</a:t>
             </a:fld>
             <a:endParaRPr lang="en-US"/>
           </a:p>
@@ -1689,10 +1668,9 @@
           <a:lstStyle/>
           <a:p>
             <a:r>
-              <a:rPr lang="en-US" smtClean="0"/>
+              <a:rPr lang="en-US"/>
               <a:t>Click to edit Master title style</a:t>
             </a:r>
-            <a:endParaRPr lang="en-US"/>
           </a:p>
         </p:txBody>
       </p:sp>
@@ -1713,6 +1691,7 @@
           <a:p>
             <a:fld id="{63A1C593-65D0-4073-BCC9-577B9352EA97}" type="datetimeFigureOut">
               <a:rPr lang="en-US" smtClean="0"/>
+              <a:t>6/1/2022</a:t>
             </a:fld>
             <a:endParaRPr lang="en-US"/>
           </a:p>
@@ -1754,6 +1733,7 @@
           <a:p>
             <a:fld id="{9B618960-8005-486C-9A75-10CB2AAC16F9}" type="slidenum">
               <a:rPr lang="en-US" smtClean="0"/>
+              <a:t>‹#›</a:t>
             </a:fld>
             <a:endParaRPr lang="en-US"/>
           </a:p>
@@ -1801,6 +1781,7 @@
           <a:p>
             <a:fld id="{63A1C593-65D0-4073-BCC9-577B9352EA97}" type="datetimeFigureOut">
               <a:rPr lang="en-US" smtClean="0"/>
+              <a:t>6/1/2022</a:t>
             </a:fld>
             <a:endParaRPr lang="en-US"/>
           </a:p>
@@ -1842,6 +1823,7 @@
           <a:p>
             <a:fld id="{9B618960-8005-486C-9A75-10CB2AAC16F9}" type="slidenum">
               <a:rPr lang="en-US" smtClean="0"/>
+              <a:t>‹#›</a:t>
             </a:fld>
             <a:endParaRPr lang="en-US"/>
           </a:p>
@@ -1897,10 +1879,9 @@
           </a:lstStyle>
           <a:p>
             <a:r>
-              <a:rPr lang="en-US" smtClean="0"/>
+              <a:rPr lang="en-US"/>
               <a:t>Click to edit Master title style</a:t>
             </a:r>
-            <a:endParaRPr lang="en-US"/>
           </a:p>
         </p:txBody>
       </p:sp>
@@ -1954,42 +1935,37 @@
           <a:p>
             <a:pPr lvl="0"/>
             <a:r>
-              <a:rPr lang="en-US" smtClean="0"/>
+              <a:rPr lang="en-US"/>
               <a:t>Click to edit Master text styles</a:t>
             </a:r>
-            <a:endParaRPr lang="en-US" smtClean="0"/>
           </a:p>
           <a:p>
             <a:pPr lvl="1"/>
             <a:r>
-              <a:rPr lang="en-US" smtClean="0"/>
+              <a:rPr lang="en-US"/>
               <a:t>Second level</a:t>
             </a:r>
-            <a:endParaRPr lang="en-US" smtClean="0"/>
           </a:p>
           <a:p>
             <a:pPr lvl="2"/>
             <a:r>
-              <a:rPr lang="en-US" smtClean="0"/>
+              <a:rPr lang="en-US"/>
               <a:t>Third level</a:t>
             </a:r>
-            <a:endParaRPr lang="en-US" smtClean="0"/>
           </a:p>
           <a:p>
             <a:pPr lvl="3"/>
             <a:r>
-              <a:rPr lang="en-US" smtClean="0"/>
+              <a:rPr lang="en-US"/>
               <a:t>Fourth level</a:t>
             </a:r>
-            <a:endParaRPr lang="en-US" smtClean="0"/>
           </a:p>
           <a:p>
             <a:pPr lvl="4"/>
             <a:r>
-              <a:rPr lang="en-US" smtClean="0"/>
+              <a:rPr lang="en-US"/>
               <a:t>Fifth level</a:t>
             </a:r>
-            <a:endParaRPr lang="en-US"/>
           </a:p>
         </p:txBody>
       </p:sp>
@@ -2052,10 +2028,9 @@
           <a:p>
             <a:pPr lvl="0"/>
             <a:r>
-              <a:rPr lang="en-US" smtClean="0"/>
+              <a:rPr lang="en-US"/>
               <a:t>Click to edit Master text styles</a:t>
             </a:r>
-            <a:endParaRPr lang="en-US" smtClean="0"/>
           </a:p>
         </p:txBody>
       </p:sp>
@@ -2076,6 +2051,7 @@
           <a:p>
             <a:fld id="{63A1C593-65D0-4073-BCC9-577B9352EA97}" type="datetimeFigureOut">
               <a:rPr lang="en-US" smtClean="0"/>
+              <a:t>6/1/2022</a:t>
             </a:fld>
             <a:endParaRPr lang="en-US"/>
           </a:p>
@@ -2117,6 +2093,7 @@
           <a:p>
             <a:fld id="{9B618960-8005-486C-9A75-10CB2AAC16F9}" type="slidenum">
               <a:rPr lang="en-US" smtClean="0"/>
+              <a:t>‹#›</a:t>
             </a:fld>
             <a:endParaRPr lang="en-US"/>
           </a:p>
@@ -2172,10 +2149,9 @@
           </a:lstStyle>
           <a:p>
             <a:r>
-              <a:rPr lang="en-US" smtClean="0"/>
+              <a:rPr lang="en-US"/>
               <a:t>Click to edit Master title style</a:t>
             </a:r>
-            <a:endParaRPr lang="en-US"/>
           </a:p>
         </p:txBody>
       </p:sp>
@@ -2299,10 +2275,9 @@
           <a:p>
             <a:pPr lvl="0"/>
             <a:r>
-              <a:rPr lang="en-US" smtClean="0"/>
+              <a:rPr lang="en-US"/>
               <a:t>Click to edit Master text styles</a:t>
             </a:r>
-            <a:endParaRPr lang="en-US" smtClean="0"/>
           </a:p>
         </p:txBody>
       </p:sp>
@@ -2323,6 +2298,7 @@
           <a:p>
             <a:fld id="{63A1C593-65D0-4073-BCC9-577B9352EA97}" type="datetimeFigureOut">
               <a:rPr lang="en-US" smtClean="0"/>
+              <a:t>6/1/2022</a:t>
             </a:fld>
             <a:endParaRPr lang="en-US"/>
           </a:p>
@@ -2364,6 +2340,7 @@
           <a:p>
             <a:fld id="{9B618960-8005-486C-9A75-10CB2AAC16F9}" type="slidenum">
               <a:rPr lang="en-US" smtClean="0"/>
+              <a:t>‹#›</a:t>
             </a:fld>
             <a:endParaRPr lang="en-US"/>
           </a:p>
@@ -2425,10 +2402,9 @@
           <a:lstStyle/>
           <a:p>
             <a:r>
-              <a:rPr lang="en-US" smtClean="0"/>
+              <a:rPr lang="en-US"/>
               <a:t>Click to edit Master title style</a:t>
             </a:r>
-            <a:endParaRPr lang="en-US"/>
           </a:p>
         </p:txBody>
       </p:sp>
@@ -2459,42 +2435,37 @@
           <a:p>
             <a:pPr lvl="0"/>
             <a:r>
-              <a:rPr lang="en-US" smtClean="0"/>
+              <a:rPr lang="en-US"/>
               <a:t>Click to edit Master text styles</a:t>
             </a:r>
-            <a:endParaRPr lang="en-US" smtClean="0"/>
           </a:p>
           <a:p>
             <a:pPr lvl="1"/>
             <a:r>
-              <a:rPr lang="en-US" smtClean="0"/>
+              <a:rPr lang="en-US"/>
               <a:t>Second level</a:t>
             </a:r>
-            <a:endParaRPr lang="en-US" smtClean="0"/>
           </a:p>
           <a:p>
             <a:pPr lvl="2"/>
             <a:r>
-              <a:rPr lang="en-US" smtClean="0"/>
+              <a:rPr lang="en-US"/>
               <a:t>Third level</a:t>
             </a:r>
-            <a:endParaRPr lang="en-US" smtClean="0"/>
           </a:p>
           <a:p>
             <a:pPr lvl="3"/>
             <a:r>
-              <a:rPr lang="en-US" smtClean="0"/>
+              <a:rPr lang="en-US"/>
               <a:t>Fourth level</a:t>
             </a:r>
-            <a:endParaRPr lang="en-US" smtClean="0"/>
           </a:p>
           <a:p>
             <a:pPr lvl="4"/>
             <a:r>
-              <a:rPr lang="en-US" smtClean="0"/>
+              <a:rPr lang="en-US"/>
               <a:t>Fifth level</a:t>
             </a:r>
-            <a:endParaRPr lang="en-US"/>
           </a:p>
         </p:txBody>
       </p:sp>
@@ -2533,6 +2504,7 @@
           <a:p>
             <a:fld id="{63A1C593-65D0-4073-BCC9-577B9352EA97}" type="datetimeFigureOut">
               <a:rPr lang="en-US" smtClean="0"/>
+              <a:t>6/1/2022</a:t>
             </a:fld>
             <a:endParaRPr lang="en-US"/>
           </a:p>
@@ -2610,6 +2582,7 @@
           <a:p>
             <a:fld id="{9B618960-8005-486C-9A75-10CB2AAC16F9}" type="slidenum">
               <a:rPr lang="en-US" smtClean="0"/>
+              <a:t>‹#›</a:t>
             </a:fld>
             <a:endParaRPr lang="en-US"/>
           </a:p>
@@ -2950,7 +2923,6 @@
               <a:rPr lang="en-IN" altLang="en-US" b="1" dirty="0"/>
               <a:t>Swiggy Application</a:t>
             </a:r>
-            <a:endParaRPr lang="en-IN" altLang="en-US" b="1" dirty="0"/>
           </a:p>
         </p:txBody>
       </p:sp>
@@ -2969,7 +2941,10 @@
           <a:bodyPr/>
           <a:lstStyle/>
           <a:p>
-            <a:endParaRPr lang="en-US"/>
+            <a:r>
+              <a:rPr lang="en-US" dirty="0"/>
+              <a:t>Online food order application.</a:t>
+            </a:r>
           </a:p>
         </p:txBody>
       </p:sp>
@@ -2990,7 +2965,534 @@
         <p:cNvGrpSpPr/>
         <p:nvPr/>
       </p:nvGrpSpPr>
-      <p:grpSpPr/>
+      <p:grpSpPr>
+        <a:xfrm>
+          <a:off x="0" y="0"/>
+          <a:ext cx="0" cy="0"/>
+          <a:chOff x="0" y="0"/>
+          <a:chExt cx="0" cy="0"/>
+        </a:xfrm>
+      </p:grpSpPr>
+      <p:sp>
+        <p:nvSpPr>
+          <p:cNvPr id="2" name="Title 1">
+            <a:extLst>
+              <a:ext uri="{FF2B5EF4-FFF2-40B4-BE49-F238E27FC236}">
+                <a16:creationId xmlns:a16="http://schemas.microsoft.com/office/drawing/2014/main" id="{CEDC6950-9E9B-4A01-9745-988F90A9EEA9}"/>
+              </a:ext>
+            </a:extLst>
+          </p:cNvPr>
+          <p:cNvSpPr>
+            <a:spLocks noGrp="1"/>
+          </p:cNvSpPr>
+          <p:nvPr>
+            <p:ph type="title"/>
+          </p:nvPr>
+        </p:nvSpPr>
+        <p:spPr/>
+        <p:txBody>
+          <a:bodyPr/>
+          <a:lstStyle/>
+          <a:p>
+            <a:pPr algn="ctr"/>
+            <a:r>
+              <a:rPr lang="en-IN" b="1" dirty="0"/>
+              <a:t>Food Service</a:t>
+            </a:r>
+          </a:p>
+        </p:txBody>
+      </p:sp>
+      <p:sp>
+        <p:nvSpPr>
+          <p:cNvPr id="3" name="Content Placeholder 2">
+            <a:extLst>
+              <a:ext uri="{FF2B5EF4-FFF2-40B4-BE49-F238E27FC236}">
+                <a16:creationId xmlns:a16="http://schemas.microsoft.com/office/drawing/2014/main" id="{75382DCB-051B-4980-A6C9-3E4B1E87A900}"/>
+              </a:ext>
+            </a:extLst>
+          </p:cNvPr>
+          <p:cNvSpPr>
+            <a:spLocks noGrp="1"/>
+          </p:cNvSpPr>
+          <p:nvPr>
+            <p:ph idx="1"/>
+          </p:nvPr>
+        </p:nvSpPr>
+        <p:spPr/>
+        <p:txBody>
+          <a:bodyPr/>
+          <a:lstStyle/>
+          <a:p>
+            <a:r>
+              <a:rPr lang="en-IN" dirty="0"/>
+              <a:t>User can see the food items after login.</a:t>
+            </a:r>
+          </a:p>
+          <a:p>
+            <a:r>
+              <a:rPr lang="en-IN" dirty="0"/>
+              <a:t>Admin can add, update, and delete food.</a:t>
+            </a:r>
+          </a:p>
+          <a:p>
+            <a:pPr marL="0" indent="0">
+              <a:buNone/>
+            </a:pPr>
+            <a:endParaRPr lang="en-IN" dirty="0"/>
+          </a:p>
+          <a:p>
+            <a:r>
+              <a:rPr lang="en-IN" dirty="0"/>
+              <a:t>Add food</a:t>
+            </a:r>
+          </a:p>
+          <a:p>
+            <a:r>
+              <a:rPr lang="en-IN" dirty="0"/>
+              <a:t>Get food</a:t>
+            </a:r>
+          </a:p>
+          <a:p>
+            <a:r>
+              <a:rPr lang="en-IN" dirty="0"/>
+              <a:t>Update food</a:t>
+            </a:r>
+          </a:p>
+          <a:p>
+            <a:r>
+              <a:rPr lang="en-IN" dirty="0"/>
+              <a:t>Delete food</a:t>
+            </a:r>
+          </a:p>
+        </p:txBody>
+      </p:sp>
+    </p:spTree>
+    <p:extLst>
+      <p:ext uri="{BB962C8B-B14F-4D97-AF65-F5344CB8AC3E}">
+        <p14:creationId xmlns:p14="http://schemas.microsoft.com/office/powerpoint/2010/main" val="637910554"/>
+      </p:ext>
+    </p:extLst>
+  </p:cSld>
+  <p:clrMapOvr>
+    <a:masterClrMapping/>
+  </p:clrMapOvr>
+</p:sld>
+</file>
+
+<file path=ppt/slides/slide11.xml><?xml version="1.0" encoding="utf-8"?>
+<p:sld xmlns:a="http://schemas.openxmlformats.org/drawingml/2006/main" xmlns:r="http://schemas.openxmlformats.org/officeDocument/2006/relationships" xmlns:p="http://schemas.openxmlformats.org/presentationml/2006/main">
+  <p:cSld>
+    <p:spTree>
+      <p:nvGrpSpPr>
+        <p:cNvPr id="1" name=""/>
+        <p:cNvGrpSpPr/>
+        <p:nvPr/>
+      </p:nvGrpSpPr>
+      <p:grpSpPr>
+        <a:xfrm>
+          <a:off x="0" y="0"/>
+          <a:ext cx="0" cy="0"/>
+          <a:chOff x="0" y="0"/>
+          <a:chExt cx="0" cy="0"/>
+        </a:xfrm>
+      </p:grpSpPr>
+      <p:sp>
+        <p:nvSpPr>
+          <p:cNvPr id="2" name="Title 1">
+            <a:extLst>
+              <a:ext uri="{FF2B5EF4-FFF2-40B4-BE49-F238E27FC236}">
+                <a16:creationId xmlns:a16="http://schemas.microsoft.com/office/drawing/2014/main" id="{8C80EF8B-06DD-4BCD-8F94-10A8E3403C85}"/>
+              </a:ext>
+            </a:extLst>
+          </p:cNvPr>
+          <p:cNvSpPr>
+            <a:spLocks noGrp="1"/>
+          </p:cNvSpPr>
+          <p:nvPr>
+            <p:ph type="title"/>
+          </p:nvPr>
+        </p:nvSpPr>
+        <p:spPr/>
+        <p:txBody>
+          <a:bodyPr/>
+          <a:lstStyle/>
+          <a:p>
+            <a:pPr algn="ctr"/>
+            <a:r>
+              <a:rPr lang="en-IN" b="1" dirty="0"/>
+              <a:t>Cart Service</a:t>
+            </a:r>
+          </a:p>
+        </p:txBody>
+      </p:sp>
+      <p:sp>
+        <p:nvSpPr>
+          <p:cNvPr id="3" name="Content Placeholder 2">
+            <a:extLst>
+              <a:ext uri="{FF2B5EF4-FFF2-40B4-BE49-F238E27FC236}">
+                <a16:creationId xmlns:a16="http://schemas.microsoft.com/office/drawing/2014/main" id="{095A3895-0D27-480F-9099-A7ACF58B0FC0}"/>
+              </a:ext>
+            </a:extLst>
+          </p:cNvPr>
+          <p:cNvSpPr>
+            <a:spLocks noGrp="1"/>
+          </p:cNvSpPr>
+          <p:nvPr>
+            <p:ph idx="1"/>
+          </p:nvPr>
+        </p:nvSpPr>
+        <p:spPr/>
+        <p:txBody>
+          <a:bodyPr>
+            <a:normAutofit fontScale="92500" lnSpcReduction="10000"/>
+          </a:bodyPr>
+          <a:lstStyle/>
+          <a:p>
+            <a:r>
+              <a:rPr lang="en-IN" dirty="0"/>
+              <a:t>User can select the food from food items list.</a:t>
+            </a:r>
+          </a:p>
+          <a:p>
+            <a:r>
+              <a:rPr lang="en-IN" dirty="0"/>
+              <a:t>Selected food item will go in to the cart.</a:t>
+            </a:r>
+          </a:p>
+          <a:p>
+            <a:r>
+              <a:rPr lang="en-IN" dirty="0"/>
+              <a:t>We can get the user details and food details by cart id. Like which user added which food in cart.</a:t>
+            </a:r>
+          </a:p>
+          <a:p>
+            <a:endParaRPr lang="en-IN" dirty="0"/>
+          </a:p>
+          <a:p>
+            <a:r>
+              <a:rPr lang="en-IN" dirty="0"/>
+              <a:t>Add items in cart</a:t>
+            </a:r>
+          </a:p>
+          <a:p>
+            <a:r>
+              <a:rPr lang="en-IN" dirty="0"/>
+              <a:t>Get cart items</a:t>
+            </a:r>
+          </a:p>
+          <a:p>
+            <a:r>
+              <a:rPr lang="en-IN" dirty="0"/>
+              <a:t>Delete cart items</a:t>
+            </a:r>
+          </a:p>
+          <a:p>
+            <a:r>
+              <a:rPr lang="en-IN" dirty="0"/>
+              <a:t>Update cart items</a:t>
+            </a:r>
+          </a:p>
+          <a:p>
+            <a:r>
+              <a:rPr lang="en-IN" dirty="0"/>
+              <a:t>Get cart by user id</a:t>
+            </a:r>
+          </a:p>
+          <a:p>
+            <a:pPr marL="0" indent="0">
+              <a:buNone/>
+            </a:pPr>
+            <a:endParaRPr lang="en-IN" dirty="0"/>
+          </a:p>
+          <a:p>
+            <a:pPr marL="0" indent="0">
+              <a:buNone/>
+            </a:pPr>
+            <a:endParaRPr lang="en-IN" dirty="0"/>
+          </a:p>
+        </p:txBody>
+      </p:sp>
+    </p:spTree>
+    <p:extLst>
+      <p:ext uri="{BB962C8B-B14F-4D97-AF65-F5344CB8AC3E}">
+        <p14:creationId xmlns:p14="http://schemas.microsoft.com/office/powerpoint/2010/main" val="2981425536"/>
+      </p:ext>
+    </p:extLst>
+  </p:cSld>
+  <p:clrMapOvr>
+    <a:masterClrMapping/>
+  </p:clrMapOvr>
+</p:sld>
+</file>
+
+<file path=ppt/slides/slide12.xml><?xml version="1.0" encoding="utf-8"?>
+<p:sld xmlns:a="http://schemas.openxmlformats.org/drawingml/2006/main" xmlns:r="http://schemas.openxmlformats.org/officeDocument/2006/relationships" xmlns:p="http://schemas.openxmlformats.org/presentationml/2006/main">
+  <p:cSld>
+    <p:spTree>
+      <p:nvGrpSpPr>
+        <p:cNvPr id="1" name=""/>
+        <p:cNvGrpSpPr/>
+        <p:nvPr/>
+      </p:nvGrpSpPr>
+      <p:grpSpPr>
+        <a:xfrm>
+          <a:off x="0" y="0"/>
+          <a:ext cx="0" cy="0"/>
+          <a:chOff x="0" y="0"/>
+          <a:chExt cx="0" cy="0"/>
+        </a:xfrm>
+      </p:grpSpPr>
+      <p:sp>
+        <p:nvSpPr>
+          <p:cNvPr id="2" name="Title 1">
+            <a:extLst>
+              <a:ext uri="{FF2B5EF4-FFF2-40B4-BE49-F238E27FC236}">
+                <a16:creationId xmlns:a16="http://schemas.microsoft.com/office/drawing/2014/main" id="{CF6A5EB1-4EDC-4ECC-9376-BCB85AB63B7A}"/>
+              </a:ext>
+            </a:extLst>
+          </p:cNvPr>
+          <p:cNvSpPr>
+            <a:spLocks noGrp="1"/>
+          </p:cNvSpPr>
+          <p:nvPr>
+            <p:ph type="title"/>
+          </p:nvPr>
+        </p:nvSpPr>
+        <p:spPr/>
+        <p:txBody>
+          <a:bodyPr/>
+          <a:lstStyle/>
+          <a:p>
+            <a:pPr algn="ctr"/>
+            <a:r>
+              <a:rPr lang="en-IN" b="1" dirty="0"/>
+              <a:t>Order Service</a:t>
+            </a:r>
+          </a:p>
+        </p:txBody>
+      </p:sp>
+      <p:sp>
+        <p:nvSpPr>
+          <p:cNvPr id="3" name="Content Placeholder 2">
+            <a:extLst>
+              <a:ext uri="{FF2B5EF4-FFF2-40B4-BE49-F238E27FC236}">
+                <a16:creationId xmlns:a16="http://schemas.microsoft.com/office/drawing/2014/main" id="{FE40A470-FB52-4D83-8985-5EAB1C16EC4A}"/>
+              </a:ext>
+            </a:extLst>
+          </p:cNvPr>
+          <p:cNvSpPr>
+            <a:spLocks noGrp="1"/>
+          </p:cNvSpPr>
+          <p:nvPr>
+            <p:ph idx="1"/>
+          </p:nvPr>
+        </p:nvSpPr>
+        <p:spPr/>
+        <p:txBody>
+          <a:bodyPr/>
+          <a:lstStyle/>
+          <a:p>
+            <a:r>
+              <a:rPr lang="en-IN" dirty="0"/>
+              <a:t>We can store the order details in database like what is the payment status ? How much amount paid by user and how much is pending ?</a:t>
+            </a:r>
+          </a:p>
+          <a:p>
+            <a:r>
+              <a:rPr lang="en-IN" dirty="0"/>
+              <a:t>Here I used </a:t>
+            </a:r>
+            <a:r>
+              <a:rPr lang="en-IN" dirty="0" err="1"/>
+              <a:t>razorpay</a:t>
+            </a:r>
+            <a:r>
+              <a:rPr lang="en-IN" dirty="0"/>
+              <a:t> payment </a:t>
+            </a:r>
+            <a:r>
+              <a:rPr lang="en-IN" dirty="0" err="1"/>
+              <a:t>api</a:t>
+            </a:r>
+            <a:r>
+              <a:rPr lang="en-IN" dirty="0"/>
+              <a:t>, so whenever user click on add to cart button </a:t>
+            </a:r>
+            <a:r>
+              <a:rPr lang="en-IN" dirty="0" err="1"/>
+              <a:t>razorpay</a:t>
+            </a:r>
+            <a:r>
+              <a:rPr lang="en-IN" dirty="0"/>
+              <a:t> generate a order id for us. We have to store the order details in database.</a:t>
+            </a:r>
+          </a:p>
+          <a:p>
+            <a:endParaRPr lang="en-IN" dirty="0"/>
+          </a:p>
+          <a:p>
+            <a:pPr marL="0" indent="0">
+              <a:buNone/>
+            </a:pPr>
+            <a:endParaRPr lang="en-IN" dirty="0"/>
+          </a:p>
+        </p:txBody>
+      </p:sp>
+    </p:spTree>
+    <p:extLst>
+      <p:ext uri="{BB962C8B-B14F-4D97-AF65-F5344CB8AC3E}">
+        <p14:creationId xmlns:p14="http://schemas.microsoft.com/office/powerpoint/2010/main" val="156554587"/>
+      </p:ext>
+    </p:extLst>
+  </p:cSld>
+  <p:clrMapOvr>
+    <a:masterClrMapping/>
+  </p:clrMapOvr>
+</p:sld>
+</file>
+
+<file path=ppt/slides/slide13.xml><?xml version="1.0" encoding="utf-8"?>
+<p:sld xmlns:a="http://schemas.openxmlformats.org/drawingml/2006/main" xmlns:r="http://schemas.openxmlformats.org/officeDocument/2006/relationships" xmlns:p="http://schemas.openxmlformats.org/presentationml/2006/main">
+  <p:cSld>
+    <p:spTree>
+      <p:nvGrpSpPr>
+        <p:cNvPr id="1" name=""/>
+        <p:cNvGrpSpPr/>
+        <p:nvPr/>
+      </p:nvGrpSpPr>
+      <p:grpSpPr>
+        <a:xfrm>
+          <a:off x="0" y="0"/>
+          <a:ext cx="0" cy="0"/>
+          <a:chOff x="0" y="0"/>
+          <a:chExt cx="0" cy="0"/>
+        </a:xfrm>
+      </p:grpSpPr>
+      <p:sp>
+        <p:nvSpPr>
+          <p:cNvPr id="2" name="Title 1">
+            <a:extLst>
+              <a:ext uri="{FF2B5EF4-FFF2-40B4-BE49-F238E27FC236}">
+                <a16:creationId xmlns:a16="http://schemas.microsoft.com/office/drawing/2014/main" id="{2F08BD78-0B2E-4207-9A45-073DBF6601FE}"/>
+              </a:ext>
+            </a:extLst>
+          </p:cNvPr>
+          <p:cNvSpPr>
+            <a:spLocks noGrp="1"/>
+          </p:cNvSpPr>
+          <p:nvPr>
+            <p:ph type="title"/>
+          </p:nvPr>
+        </p:nvSpPr>
+        <p:spPr/>
+        <p:txBody>
+          <a:bodyPr/>
+          <a:lstStyle/>
+          <a:p>
+            <a:pPr algn="ctr"/>
+            <a:r>
+              <a:rPr lang="en-IN" b="1" dirty="0"/>
+              <a:t>Payment Service</a:t>
+            </a:r>
+          </a:p>
+        </p:txBody>
+      </p:sp>
+      <p:sp>
+        <p:nvSpPr>
+          <p:cNvPr id="3" name="Content Placeholder 2">
+            <a:extLst>
+              <a:ext uri="{FF2B5EF4-FFF2-40B4-BE49-F238E27FC236}">
+                <a16:creationId xmlns:a16="http://schemas.microsoft.com/office/drawing/2014/main" id="{AC6876EF-3FD5-4F44-8B44-90CF73CA4576}"/>
+              </a:ext>
+            </a:extLst>
+          </p:cNvPr>
+          <p:cNvSpPr>
+            <a:spLocks noGrp="1"/>
+          </p:cNvSpPr>
+          <p:nvPr>
+            <p:ph idx="1"/>
+          </p:nvPr>
+        </p:nvSpPr>
+        <p:spPr/>
+        <p:txBody>
+          <a:bodyPr/>
+          <a:lstStyle/>
+          <a:p>
+            <a:r>
+              <a:rPr lang="en-IN" dirty="0"/>
+              <a:t>After adding to cart, user click on pay button and then we need to send the order id to the </a:t>
+            </a:r>
+            <a:r>
+              <a:rPr lang="en-IN" dirty="0" err="1"/>
+              <a:t>razorpay</a:t>
+            </a:r>
+            <a:r>
+              <a:rPr lang="en-IN" dirty="0"/>
+              <a:t> server. </a:t>
+            </a:r>
+            <a:r>
+              <a:rPr lang="en-IN" dirty="0" err="1"/>
+              <a:t>Razorpay</a:t>
+            </a:r>
+            <a:r>
+              <a:rPr lang="en-IN" dirty="0"/>
+              <a:t> server verify the payment and generate a payment data based on order id, which contains payment id, </a:t>
+            </a:r>
+            <a:r>
+              <a:rPr lang="en-IN" dirty="0" err="1"/>
+              <a:t>razorpay</a:t>
+            </a:r>
+            <a:r>
+              <a:rPr lang="en-IN" dirty="0"/>
+              <a:t> signature, payment status and many more.</a:t>
+            </a:r>
+          </a:p>
+          <a:p>
+            <a:endParaRPr lang="en-IN" dirty="0"/>
+          </a:p>
+          <a:p>
+            <a:r>
+              <a:rPr lang="en-IN" dirty="0"/>
+              <a:t>Payment </a:t>
+            </a:r>
+            <a:r>
+              <a:rPr lang="en-IN" dirty="0" err="1"/>
+              <a:t>api</a:t>
+            </a:r>
+            <a:endParaRPr lang="en-IN" dirty="0"/>
+          </a:p>
+        </p:txBody>
+      </p:sp>
+    </p:spTree>
+    <p:extLst>
+      <p:ext uri="{BB962C8B-B14F-4D97-AF65-F5344CB8AC3E}">
+        <p14:creationId xmlns:p14="http://schemas.microsoft.com/office/powerpoint/2010/main" val="685200031"/>
+      </p:ext>
+    </p:extLst>
+  </p:cSld>
+  <p:clrMapOvr>
+    <a:masterClrMapping/>
+  </p:clrMapOvr>
+</p:sld>
+</file>
+
+<file path=ppt/slides/slide14.xml><?xml version="1.0" encoding="utf-8"?>
+<p:sld xmlns:a="http://schemas.openxmlformats.org/drawingml/2006/main" xmlns:r="http://schemas.openxmlformats.org/officeDocument/2006/relationships" xmlns:p="http://schemas.openxmlformats.org/presentationml/2006/main">
+  <p:cSld>
+    <p:spTree>
+      <p:nvGrpSpPr>
+        <p:cNvPr id="1" name=""/>
+        <p:cNvGrpSpPr/>
+        <p:nvPr/>
+      </p:nvGrpSpPr>
+      <p:grpSpPr>
+        <a:xfrm>
+          <a:off x="0" y="0"/>
+          <a:ext cx="0" cy="0"/>
+          <a:chOff x="0" y="0"/>
+          <a:chExt cx="0" cy="0"/>
+        </a:xfrm>
+      </p:grpSpPr>
       <p:sp>
         <p:nvSpPr>
           <p:cNvPr id="2" name="Title 1"/>
@@ -3004,13 +3506,161 @@
         <p:spPr/>
         <p:txBody>
           <a:bodyPr/>
+          <a:lstStyle/>
+          <a:p>
+            <a:pPr algn="ctr"/>
+            <a:r>
+              <a:rPr lang="en-IN" altLang="en-US" b="1"/>
+              <a:t>Use Case Diagram</a:t>
+            </a:r>
+          </a:p>
+        </p:txBody>
+      </p:sp>
+      <p:pic>
+        <p:nvPicPr>
+          <p:cNvPr id="4" name="Content Placeholder 3" descr="Use case diagram for swiggy"/>
+          <p:cNvPicPr>
+            <a:picLocks noGrp="1" noChangeAspect="1"/>
+          </p:cNvPicPr>
+          <p:nvPr>
+            <p:ph idx="1"/>
+          </p:nvPr>
+        </p:nvPicPr>
+        <p:blipFill>
+          <a:blip r:embed="rId2"/>
+          <a:stretch>
+            <a:fillRect/>
+          </a:stretch>
+        </p:blipFill>
+        <p:spPr>
+          <a:xfrm>
+            <a:off x="3061970" y="1858010"/>
+            <a:ext cx="6067425" cy="4286250"/>
+          </a:xfrm>
+          <a:prstGeom prst="rect">
+            <a:avLst/>
+          </a:prstGeom>
+        </p:spPr>
+      </p:pic>
+    </p:spTree>
+  </p:cSld>
+  <p:clrMapOvr>
+    <a:masterClrMapping/>
+  </p:clrMapOvr>
+</p:sld>
+</file>
+
+<file path=ppt/slides/slide15.xml><?xml version="1.0" encoding="utf-8"?>
+<p:sld xmlns:a="http://schemas.openxmlformats.org/drawingml/2006/main" xmlns:r="http://schemas.openxmlformats.org/officeDocument/2006/relationships" xmlns:p="http://schemas.openxmlformats.org/presentationml/2006/main">
+  <p:cSld>
+    <p:spTree>
+      <p:nvGrpSpPr>
+        <p:cNvPr id="1" name=""/>
+        <p:cNvGrpSpPr/>
+        <p:nvPr/>
+      </p:nvGrpSpPr>
+      <p:grpSpPr>
+        <a:xfrm>
+          <a:off x="0" y="0"/>
+          <a:ext cx="0" cy="0"/>
+          <a:chOff x="0" y="0"/>
+          <a:chExt cx="0" cy="0"/>
+        </a:xfrm>
+      </p:grpSpPr>
+      <p:sp>
+        <p:nvSpPr>
+          <p:cNvPr id="2" name="Title 1"/>
+          <p:cNvSpPr>
+            <a:spLocks noGrp="1"/>
+          </p:cNvSpPr>
+          <p:nvPr>
+            <p:ph type="title"/>
+          </p:nvPr>
+        </p:nvSpPr>
+        <p:spPr/>
+        <p:txBody>
+          <a:bodyPr/>
+          <a:lstStyle/>
+          <a:p>
+            <a:pPr algn="ctr"/>
+            <a:r>
+              <a:rPr lang="en-IN" altLang="en-US" b="1"/>
+              <a:t>Class Diagram for User</a:t>
+            </a:r>
+          </a:p>
+        </p:txBody>
+      </p:sp>
+      <p:pic>
+        <p:nvPicPr>
+          <p:cNvPr id="4" name="Content Placeholder 3" descr="User Class Diagram"/>
+          <p:cNvPicPr>
+            <a:picLocks noGrp="1" noChangeAspect="1"/>
+          </p:cNvPicPr>
+          <p:nvPr>
+            <p:ph idx="1"/>
+          </p:nvPr>
+        </p:nvPicPr>
+        <p:blipFill>
+          <a:blip r:embed="rId2"/>
+          <a:stretch>
+            <a:fillRect/>
+          </a:stretch>
+        </p:blipFill>
+        <p:spPr>
+          <a:xfrm>
+            <a:off x="659765" y="1621155"/>
+            <a:ext cx="11356975" cy="5014595"/>
+          </a:xfrm>
+          <a:prstGeom prst="rect">
+            <a:avLst/>
+          </a:prstGeom>
+        </p:spPr>
+      </p:pic>
+    </p:spTree>
+  </p:cSld>
+  <p:clrMapOvr>
+    <a:masterClrMapping/>
+  </p:clrMapOvr>
+</p:sld>
+</file>
+
+<file path=ppt/slides/slide16.xml><?xml version="1.0" encoding="utf-8"?>
+<p:sld xmlns:a="http://schemas.openxmlformats.org/drawingml/2006/main" xmlns:r="http://schemas.openxmlformats.org/officeDocument/2006/relationships" xmlns:p="http://schemas.openxmlformats.org/presentationml/2006/main">
+  <p:cSld>
+    <p:spTree>
+      <p:nvGrpSpPr>
+        <p:cNvPr id="1" name=""/>
+        <p:cNvGrpSpPr/>
+        <p:nvPr/>
+      </p:nvGrpSpPr>
+      <p:grpSpPr>
+        <a:xfrm>
+          <a:off x="0" y="0"/>
+          <a:ext cx="0" cy="0"/>
+          <a:chOff x="0" y="0"/>
+          <a:chExt cx="0" cy="0"/>
+        </a:xfrm>
+      </p:grpSpPr>
+      <p:sp>
+        <p:nvSpPr>
+          <p:cNvPr id="2" name="Title 1"/>
+          <p:cNvSpPr>
+            <a:spLocks noGrp="1"/>
+          </p:cNvSpPr>
+          <p:nvPr>
+            <p:ph type="title"/>
+          </p:nvPr>
+        </p:nvSpPr>
+        <p:spPr/>
+        <p:txBody>
+          <a:bodyPr/>
+          <a:lstStyle/>
           <a:p>
             <a:pPr algn="ctr"/>
             <a:r>
               <a:rPr lang="en-IN" altLang="en-US" b="1"/>
               <a:t>Class Diagram for Food</a:t>
             </a:r>
-            <a:endParaRPr lang="en-IN" altLang="en-US" b="1"/>
           </a:p>
         </p:txBody>
       </p:sp>
@@ -3018,14 +3668,14 @@
         <p:nvPicPr>
           <p:cNvPr id="4" name="Content Placeholder 3" descr="Food Class Diagram"/>
           <p:cNvPicPr>
-            <a:picLocks noChangeAspect="1"/>
+            <a:picLocks noGrp="1" noChangeAspect="1"/>
           </p:cNvPicPr>
           <p:nvPr>
             <p:ph idx="1"/>
           </p:nvPr>
         </p:nvPicPr>
         <p:blipFill>
-          <a:blip r:embed="rId1"/>
+          <a:blip r:embed="rId2"/>
           <a:stretch>
             <a:fillRect/>
           </a:stretch>
@@ -3048,7 +3698,7 @@
 </p:sld>
 </file>
 
-<file path=ppt/slides/slide11.xml><?xml version="1.0" encoding="utf-8"?>
+<file path=ppt/slides/slide17.xml><?xml version="1.0" encoding="utf-8"?>
 <p:sld xmlns:a="http://schemas.openxmlformats.org/drawingml/2006/main" xmlns:r="http://schemas.openxmlformats.org/officeDocument/2006/relationships" xmlns:p="http://schemas.openxmlformats.org/presentationml/2006/main">
   <p:cSld>
     <p:spTree>
@@ -3057,7 +3707,14 @@
         <p:cNvGrpSpPr/>
         <p:nvPr/>
       </p:nvGrpSpPr>
-      <p:grpSpPr/>
+      <p:grpSpPr>
+        <a:xfrm>
+          <a:off x="0" y="0"/>
+          <a:ext cx="0" cy="0"/>
+          <a:chOff x="0" y="0"/>
+          <a:chExt cx="0" cy="0"/>
+        </a:xfrm>
+      </p:grpSpPr>
       <p:sp>
         <p:nvSpPr>
           <p:cNvPr id="2" name="Title 1"/>
@@ -3071,13 +3728,13 @@
         <p:spPr/>
         <p:txBody>
           <a:bodyPr/>
+          <a:lstStyle/>
           <a:p>
             <a:pPr algn="ctr"/>
             <a:r>
               <a:rPr lang="en-IN" altLang="en-US" b="1"/>
               <a:t>Class Diagram for Restaurants</a:t>
             </a:r>
-            <a:endParaRPr lang="en-IN" altLang="en-US" b="1"/>
           </a:p>
         </p:txBody>
       </p:sp>
@@ -3085,14 +3742,14 @@
         <p:nvPicPr>
           <p:cNvPr id="4" name="Content Placeholder 3" descr="Restaurants Class Diagram"/>
           <p:cNvPicPr>
-            <a:picLocks noChangeAspect="1"/>
+            <a:picLocks noGrp="1" noChangeAspect="1"/>
           </p:cNvPicPr>
           <p:nvPr>
             <p:ph idx="1"/>
           </p:nvPr>
         </p:nvPicPr>
         <p:blipFill>
-          <a:blip r:embed="rId1"/>
+          <a:blip r:embed="rId2"/>
           <a:stretch>
             <a:fillRect/>
           </a:stretch>
@@ -3124,7 +3781,14 @@
         <p:cNvGrpSpPr/>
         <p:nvPr/>
       </p:nvGrpSpPr>
-      <p:grpSpPr/>
+      <p:grpSpPr>
+        <a:xfrm>
+          <a:off x="0" y="0"/>
+          <a:ext cx="0" cy="0"/>
+          <a:chOff x="0" y="0"/>
+          <a:chExt cx="0" cy="0"/>
+        </a:xfrm>
+      </p:grpSpPr>
       <p:sp>
         <p:nvSpPr>
           <p:cNvPr id="2" name="Title 1"/>
@@ -3143,13 +3807,13 @@
         </p:spPr>
         <p:txBody>
           <a:bodyPr/>
+          <a:lstStyle/>
           <a:p>
             <a:pPr algn="ctr"/>
             <a:r>
               <a:rPr lang="en-US" b="1"/>
               <a:t>Synopsis</a:t>
             </a:r>
-            <a:endParaRPr lang="en-US" b="1"/>
           </a:p>
         </p:txBody>
       </p:sp>
@@ -3166,33 +3830,30 @@
         <p:spPr/>
         <p:txBody>
           <a:bodyPr/>
+          <a:lstStyle/>
           <a:p>
             <a:r>
               <a:rPr lang="en-US"/>
               <a:t>The main objective of the Project on Online Food Ordering System is to manage the details of Food, Item Category, Shopping Cart, Customer, Order. </a:t>
             </a:r>
-            <a:endParaRPr lang="en-US"/>
           </a:p>
           <a:p>
             <a:r>
               <a:rPr lang="en-US"/>
               <a:t>It manages all the information about Food, Delivery Address, Order, Food.</a:t>
             </a:r>
-            <a:endParaRPr lang="en-US"/>
           </a:p>
           <a:p>
             <a:r>
               <a:rPr lang="en-US"/>
               <a:t>This sites consists a various types of foods.</a:t>
             </a:r>
-            <a:endParaRPr lang="en-US"/>
           </a:p>
           <a:p>
             <a:r>
               <a:rPr lang="en-US"/>
               <a:t>It allows users to make payment through various modes like upi and using card.</a:t>
             </a:r>
-            <a:endParaRPr lang="en-US"/>
           </a:p>
         </p:txBody>
       </p:sp>
@@ -3213,7 +3874,14 @@
         <p:cNvGrpSpPr/>
         <p:nvPr/>
       </p:nvGrpSpPr>
-      <p:grpSpPr/>
+      <p:grpSpPr>
+        <a:xfrm>
+          <a:off x="0" y="0"/>
+          <a:ext cx="0" cy="0"/>
+          <a:chOff x="0" y="0"/>
+          <a:chExt cx="0" cy="0"/>
+        </a:xfrm>
+      </p:grpSpPr>
       <p:sp>
         <p:nvSpPr>
           <p:cNvPr id="2" name="Title 1"/>
@@ -3227,6 +3895,7 @@
         <p:spPr/>
         <p:txBody>
           <a:bodyPr/>
+          <a:lstStyle/>
           <a:p>
             <a:pPr algn="ctr"/>
             <a:r>
@@ -3237,7 +3906,6 @@
               <a:rPr lang="en-US" b="1"/>
               <a:t>eatures</a:t>
             </a:r>
-            <a:endParaRPr lang="en-US" b="1"/>
           </a:p>
         </p:txBody>
       </p:sp>
@@ -3259,47 +3927,42 @@
         </p:spPr>
         <p:txBody>
           <a:bodyPr/>
+          <a:lstStyle/>
           <a:p>
             <a:r>
               <a:rPr lang="en-US"/>
               <a:t>Register and login via email</a:t>
             </a:r>
-            <a:endParaRPr lang="en-US"/>
           </a:p>
           <a:p>
             <a:r>
               <a:rPr lang="en-US"/>
               <a:t>user can update/delete his/her profile</a:t>
             </a:r>
-            <a:endParaRPr lang="en-US"/>
           </a:p>
           <a:p>
             <a:r>
               <a:rPr lang="en-US"/>
               <a:t>user is able to place food</a:t>
             </a:r>
-            <a:endParaRPr lang="en-US"/>
           </a:p>
           <a:p>
             <a:r>
               <a:rPr lang="en-US"/>
               <a:t>payment method</a:t>
             </a:r>
-            <a:endParaRPr lang="en-US"/>
           </a:p>
           <a:p>
             <a:r>
               <a:rPr lang="en-IN" altLang="en-US"/>
               <a:t>Admin can add/update/delete food.</a:t>
             </a:r>
-            <a:endParaRPr lang="en-IN" altLang="en-US"/>
           </a:p>
           <a:p>
             <a:r>
               <a:rPr lang="en-IN" altLang="en-US"/>
               <a:t>Admin can add/update/delete restaurants.</a:t>
             </a:r>
-            <a:endParaRPr lang="en-IN" altLang="en-US"/>
           </a:p>
         </p:txBody>
       </p:sp>
@@ -3320,7 +3983,14 @@
         <p:cNvGrpSpPr/>
         <p:nvPr/>
       </p:nvGrpSpPr>
-      <p:grpSpPr/>
+      <p:grpSpPr>
+        <a:xfrm>
+          <a:off x="0" y="0"/>
+          <a:ext cx="0" cy="0"/>
+          <a:chOff x="0" y="0"/>
+          <a:chExt cx="0" cy="0"/>
+        </a:xfrm>
+      </p:grpSpPr>
       <p:sp>
         <p:nvSpPr>
           <p:cNvPr id="2" name="Title 1"/>
@@ -3334,13 +4004,13 @@
         <p:spPr/>
         <p:txBody>
           <a:bodyPr/>
+          <a:lstStyle/>
           <a:p>
             <a:pPr algn="ctr"/>
             <a:r>
               <a:rPr lang="en-IN" altLang="en-US" b="1"/>
               <a:t>User Stories</a:t>
             </a:r>
-            <a:endParaRPr lang="en-IN" altLang="en-US" b="1"/>
           </a:p>
         </p:txBody>
       </p:sp>
@@ -3359,40 +4029,36 @@
           <a:bodyPr>
             <a:normAutofit lnSpcReduction="20000"/>
           </a:bodyPr>
+          <a:lstStyle/>
           <a:p>
             <a:r>
               <a:rPr lang="en-US"/>
               <a:t>implement Login and Signup Api :-  user can login via email</a:t>
             </a:r>
-            <a:endParaRPr lang="en-US"/>
           </a:p>
           <a:p>
             <a:r>
               <a:rPr lang="en-US"/>
               <a:t>implement jwt :- for authorization purpose</a:t>
             </a:r>
-            <a:endParaRPr lang="en-US"/>
           </a:p>
           <a:p>
             <a:r>
               <a:rPr lang="en-US"/>
               <a:t>implement swagger</a:t>
             </a:r>
-            <a:endParaRPr lang="en-US"/>
           </a:p>
           <a:p>
             <a:r>
               <a:rPr lang="en-US"/>
               <a:t>implement MongoDb</a:t>
             </a:r>
-            <a:endParaRPr lang="en-US"/>
           </a:p>
           <a:p>
             <a:r>
               <a:rPr lang="en-US"/>
               <a:t>payment api:- implement payment integration for online payment</a:t>
             </a:r>
-            <a:endParaRPr lang="en-US"/>
           </a:p>
           <a:p>
             <a:r>
@@ -3403,14 +4069,12 @@
               <a:rPr lang="en-IN" altLang="en-US"/>
               <a:t> :- Add/Get/Update/Delete</a:t>
             </a:r>
-            <a:endParaRPr lang="en-IN" altLang="en-US"/>
           </a:p>
           <a:p>
             <a:r>
               <a:rPr lang="en-IN" altLang="en-US"/>
               <a:t>User api :- registration/login/update/delete profile</a:t>
             </a:r>
-            <a:endParaRPr lang="en-IN" altLang="en-US"/>
           </a:p>
         </p:txBody>
       </p:sp>
@@ -3431,7 +4095,14 @@
         <p:cNvGrpSpPr/>
         <p:nvPr/>
       </p:nvGrpSpPr>
-      <p:grpSpPr/>
+      <p:grpSpPr>
+        <a:xfrm>
+          <a:off x="0" y="0"/>
+          <a:ext cx="0" cy="0"/>
+          <a:chOff x="0" y="0"/>
+          <a:chExt cx="0" cy="0"/>
+        </a:xfrm>
+      </p:grpSpPr>
       <p:sp>
         <p:nvSpPr>
           <p:cNvPr id="2" name="Title 1"/>
@@ -3445,13 +4116,13 @@
         <p:spPr/>
         <p:txBody>
           <a:bodyPr/>
+          <a:lstStyle/>
           <a:p>
             <a:pPr algn="ctr"/>
             <a:r>
               <a:rPr lang="en-US" b="1"/>
               <a:t>Software Requirements</a:t>
             </a:r>
-            <a:endParaRPr lang="en-US" b="1"/>
           </a:p>
         </p:txBody>
       </p:sp>
@@ -3468,12 +4139,12 @@
         <p:spPr/>
         <p:txBody>
           <a:bodyPr/>
+          <a:lstStyle/>
           <a:p>
             <a:r>
               <a:rPr lang="en-US"/>
               <a:t>Spring Tool Suite</a:t>
             </a:r>
-            <a:endParaRPr lang="en-US"/>
           </a:p>
           <a:p>
             <a:r>
@@ -3488,35 +4159,30 @@
               <a:rPr lang="en-US"/>
               <a:t>Compass</a:t>
             </a:r>
-            <a:endParaRPr lang="en-US"/>
           </a:p>
           <a:p>
             <a:r>
               <a:rPr lang="en-US"/>
               <a:t>Postman</a:t>
             </a:r>
-            <a:endParaRPr lang="en-US"/>
           </a:p>
           <a:p>
             <a:r>
               <a:rPr lang="en-US"/>
               <a:t>Git</a:t>
             </a:r>
-            <a:endParaRPr lang="en-US"/>
           </a:p>
           <a:p>
             <a:r>
               <a:rPr lang="en-US"/>
               <a:t>Junit</a:t>
             </a:r>
-            <a:endParaRPr lang="en-US"/>
           </a:p>
           <a:p>
             <a:r>
               <a:rPr lang="en-US"/>
               <a:t>Mockito</a:t>
             </a:r>
-            <a:endParaRPr lang="en-US"/>
           </a:p>
         </p:txBody>
       </p:sp>
@@ -3537,7 +4203,14 @@
         <p:cNvGrpSpPr/>
         <p:nvPr/>
       </p:nvGrpSpPr>
-      <p:grpSpPr/>
+      <p:grpSpPr>
+        <a:xfrm>
+          <a:off x="0" y="0"/>
+          <a:ext cx="0" cy="0"/>
+          <a:chOff x="0" y="0"/>
+          <a:chExt cx="0" cy="0"/>
+        </a:xfrm>
+      </p:grpSpPr>
       <p:sp>
         <p:nvSpPr>
           <p:cNvPr id="2" name="Title 1"/>
@@ -3551,13 +4224,13 @@
         <p:spPr/>
         <p:txBody>
           <a:bodyPr/>
+          <a:lstStyle/>
           <a:p>
             <a:pPr algn="ctr"/>
             <a:r>
               <a:rPr lang="en-US" b="1"/>
               <a:t>Hardware Requirements</a:t>
             </a:r>
-            <a:endParaRPr lang="en-US" b="1"/>
           </a:p>
         </p:txBody>
       </p:sp>
@@ -3574,12 +4247,12 @@
         <p:spPr/>
         <p:txBody>
           <a:bodyPr/>
+          <a:lstStyle/>
           <a:p>
             <a:r>
               <a:rPr lang="en-US"/>
               <a:t>Processor: - 1.2GHz and above</a:t>
             </a:r>
-            <a:endParaRPr lang="en-US"/>
           </a:p>
           <a:p>
             <a:pPr marL="0" indent="0">
@@ -3592,7 +4265,6 @@
               <a:rPr lang="en-US"/>
               <a:t>Hard Disk: - more than 20GB</a:t>
             </a:r>
-            <a:endParaRPr lang="en-US"/>
           </a:p>
           <a:p>
             <a:pPr marL="0" indent="0">
@@ -3605,7 +4277,6 @@
               <a:rPr lang="en-US"/>
               <a:t>RAM: - Minimum 1 GB</a:t>
             </a:r>
-            <a:endParaRPr lang="en-US"/>
           </a:p>
         </p:txBody>
       </p:sp>
@@ -3626,7 +4297,14 @@
         <p:cNvGrpSpPr/>
         <p:nvPr/>
       </p:nvGrpSpPr>
-      <p:grpSpPr/>
+      <p:grpSpPr>
+        <a:xfrm>
+          <a:off x="0" y="0"/>
+          <a:ext cx="0" cy="0"/>
+          <a:chOff x="0" y="0"/>
+          <a:chExt cx="0" cy="0"/>
+        </a:xfrm>
+      </p:grpSpPr>
       <p:sp>
         <p:nvSpPr>
           <p:cNvPr id="2" name="Title 1"/>
@@ -3640,21 +4318,21 @@
         <p:spPr/>
         <p:txBody>
           <a:bodyPr/>
+          <a:lstStyle/>
           <a:p>
             <a:pPr algn="ctr"/>
             <a:r>
-              <a:rPr lang="en-IN" altLang="en-US" b="1"/>
+              <a:rPr lang="en-IN" altLang="en-US" b="1" dirty="0"/>
               <a:t>M</a:t>
             </a:r>
             <a:r>
-              <a:rPr lang="en-US" b="1"/>
+              <a:rPr lang="en-US" b="1" dirty="0" err="1"/>
               <a:t>odel</a:t>
             </a:r>
             <a:r>
-              <a:rPr lang="en-IN" altLang="en-US" b="1"/>
+              <a:rPr lang="en-IN" altLang="en-US" b="1" dirty="0"/>
               <a:t> Class</a:t>
             </a:r>
-            <a:endParaRPr lang="en-IN" altLang="en-US" b="1"/>
           </a:p>
         </p:txBody>
       </p:sp>
@@ -3671,47 +4349,43 @@
         <p:spPr/>
         <p:txBody>
           <a:bodyPr/>
-          <a:p>
-            <a:r>
-              <a:rPr lang="en-US"/>
+          <a:lstStyle/>
+          <a:p>
+            <a:r>
+              <a:rPr lang="en-US" dirty="0"/>
               <a:t>User</a:t>
             </a:r>
-            <a:endParaRPr lang="en-US"/>
-          </a:p>
-          <a:p>
-            <a:r>
-              <a:rPr lang="en-US"/>
+          </a:p>
+          <a:p>
+            <a:r>
+              <a:rPr lang="en-US" dirty="0"/>
               <a:t>Food</a:t>
             </a:r>
-            <a:endParaRPr lang="en-US"/>
-          </a:p>
-          <a:p>
-            <a:r>
-              <a:rPr lang="en-US"/>
+          </a:p>
+          <a:p>
+            <a:r>
+              <a:rPr lang="en-US" dirty="0"/>
               <a:t>Restaurants</a:t>
             </a:r>
-            <a:endParaRPr lang="en-US"/>
-          </a:p>
-          <a:p>
-            <a:r>
-              <a:rPr lang="en-US"/>
+          </a:p>
+          <a:p>
+            <a:r>
+              <a:rPr lang="en-US" dirty="0"/>
               <a:t>Cart</a:t>
             </a:r>
-            <a:endParaRPr lang="en-US"/>
-          </a:p>
-          <a:p>
-            <a:r>
-              <a:rPr lang="en-IN" altLang="en-US"/>
+          </a:p>
+          <a:p>
+            <a:r>
+              <a:rPr lang="en-IN" altLang="en-US" dirty="0"/>
               <a:t>Orders</a:t>
             </a:r>
-            <a:endParaRPr lang="en-US"/>
-          </a:p>
-          <a:p>
-            <a:r>
-              <a:rPr lang="en-US"/>
+            <a:endParaRPr lang="en-US" dirty="0"/>
+          </a:p>
+          <a:p>
+            <a:r>
+              <a:rPr lang="en-US" dirty="0"/>
               <a:t>Payment</a:t>
             </a:r>
-            <a:endParaRPr lang="en-US"/>
           </a:p>
         </p:txBody>
       </p:sp>
@@ -3732,10 +4406,23 @@
         <p:cNvGrpSpPr/>
         <p:nvPr/>
       </p:nvGrpSpPr>
-      <p:grpSpPr/>
-      <p:sp>
-        <p:nvSpPr>
-          <p:cNvPr id="2" name="Title 1"/>
+      <p:grpSpPr>
+        <a:xfrm>
+          <a:off x="0" y="0"/>
+          <a:ext cx="0" cy="0"/>
+          <a:chOff x="0" y="0"/>
+          <a:chExt cx="0" cy="0"/>
+        </a:xfrm>
+      </p:grpSpPr>
+      <p:sp>
+        <p:nvSpPr>
+          <p:cNvPr id="2" name="Title 1">
+            <a:extLst>
+              <a:ext uri="{FF2B5EF4-FFF2-40B4-BE49-F238E27FC236}">
+                <a16:creationId xmlns:a16="http://schemas.microsoft.com/office/drawing/2014/main" id="{34FC38F8-E692-446F-9FEA-9C8011973C7F}"/>
+              </a:ext>
+            </a:extLst>
+          </p:cNvPr>
           <p:cNvSpPr>
             <a:spLocks noGrp="1"/>
           </p:cNvSpPr>
@@ -3746,43 +4433,90 @@
         <p:spPr/>
         <p:txBody>
           <a:bodyPr/>
+          <a:lstStyle/>
           <a:p>
             <a:pPr algn="ctr"/>
             <a:r>
-              <a:rPr lang="en-IN" altLang="en-US" b="1"/>
-              <a:t>Use Case Diagram</a:t>
-            </a:r>
-            <a:endParaRPr lang="en-IN" altLang="en-US" b="1"/>
-          </a:p>
-        </p:txBody>
-      </p:sp>
-      <p:pic>
-        <p:nvPicPr>
-          <p:cNvPr id="4" name="Content Placeholder 3" descr="Use case diagram for swiggy"/>
-          <p:cNvPicPr>
-            <a:picLocks noChangeAspect="1"/>
-          </p:cNvPicPr>
+              <a:rPr lang="en-IN" b="1" dirty="0"/>
+              <a:t>Services</a:t>
+            </a:r>
+          </a:p>
+        </p:txBody>
+      </p:sp>
+      <p:sp>
+        <p:nvSpPr>
+          <p:cNvPr id="3" name="Content Placeholder 2">
+            <a:extLst>
+              <a:ext uri="{FF2B5EF4-FFF2-40B4-BE49-F238E27FC236}">
+                <a16:creationId xmlns:a16="http://schemas.microsoft.com/office/drawing/2014/main" id="{AFD6354E-D531-4DB3-8A7C-B23088F307E0}"/>
+              </a:ext>
+            </a:extLst>
+          </p:cNvPr>
+          <p:cNvSpPr>
+            <a:spLocks noGrp="1"/>
+          </p:cNvSpPr>
           <p:nvPr>
             <p:ph idx="1"/>
           </p:nvPr>
-        </p:nvPicPr>
-        <p:blipFill>
-          <a:blip r:embed="rId1"/>
-          <a:stretch>
-            <a:fillRect/>
-          </a:stretch>
-        </p:blipFill>
-        <p:spPr>
-          <a:xfrm>
-            <a:off x="3061970" y="1858010"/>
-            <a:ext cx="6067425" cy="4286250"/>
-          </a:xfrm>
-          <a:prstGeom prst="rect">
-            <a:avLst/>
-          </a:prstGeom>
-        </p:spPr>
-      </p:pic>
+        </p:nvSpPr>
+        <p:spPr/>
+        <p:txBody>
+          <a:bodyPr/>
+          <a:lstStyle/>
+          <a:p>
+            <a:r>
+              <a:rPr lang="en-IN" dirty="0"/>
+              <a:t>Registration and Login service</a:t>
+            </a:r>
+          </a:p>
+          <a:p>
+            <a:r>
+              <a:rPr lang="en-IN" dirty="0"/>
+              <a:t>Food Service</a:t>
+            </a:r>
+          </a:p>
+          <a:p>
+            <a:r>
+              <a:rPr lang="en-IN" dirty="0"/>
+              <a:t>Restaurant Service</a:t>
+            </a:r>
+          </a:p>
+          <a:p>
+            <a:r>
+              <a:rPr lang="en-IN" dirty="0"/>
+              <a:t>Cart Service</a:t>
+            </a:r>
+          </a:p>
+          <a:p>
+            <a:r>
+              <a:rPr lang="en-IN" dirty="0"/>
+              <a:t>Order Service</a:t>
+            </a:r>
+          </a:p>
+          <a:p>
+            <a:r>
+              <a:rPr lang="en-IN" dirty="0"/>
+              <a:t>Payment Service</a:t>
+            </a:r>
+          </a:p>
+          <a:p>
+            <a:r>
+              <a:rPr lang="en-IN" dirty="0" err="1"/>
+              <a:t>Api</a:t>
+            </a:r>
+            <a:r>
+              <a:rPr lang="en-IN" dirty="0"/>
+              <a:t> Gateway</a:t>
+            </a:r>
+          </a:p>
+        </p:txBody>
+      </p:sp>
     </p:spTree>
+    <p:extLst>
+      <p:ext uri="{BB962C8B-B14F-4D97-AF65-F5344CB8AC3E}">
+        <p14:creationId xmlns:p14="http://schemas.microsoft.com/office/powerpoint/2010/main" val="2316948652"/>
+      </p:ext>
+    </p:extLst>
   </p:cSld>
   <p:clrMapOvr>
     <a:masterClrMapping/>
@@ -3799,10 +4533,23 @@
         <p:cNvGrpSpPr/>
         <p:nvPr/>
       </p:nvGrpSpPr>
-      <p:grpSpPr/>
-      <p:sp>
-        <p:nvSpPr>
-          <p:cNvPr id="2" name="Title 1"/>
+      <p:grpSpPr>
+        <a:xfrm>
+          <a:off x="0" y="0"/>
+          <a:ext cx="0" cy="0"/>
+          <a:chOff x="0" y="0"/>
+          <a:chExt cx="0" cy="0"/>
+        </a:xfrm>
+      </p:grpSpPr>
+      <p:sp>
+        <p:nvSpPr>
+          <p:cNvPr id="2" name="Title 1">
+            <a:extLst>
+              <a:ext uri="{FF2B5EF4-FFF2-40B4-BE49-F238E27FC236}">
+                <a16:creationId xmlns:a16="http://schemas.microsoft.com/office/drawing/2014/main" id="{AD555856-2E98-4708-8538-595EA02E54ED}"/>
+              </a:ext>
+            </a:extLst>
+          </p:cNvPr>
           <p:cNvSpPr>
             <a:spLocks noGrp="1"/>
           </p:cNvSpPr>
@@ -3813,43 +4560,136 @@
         <p:spPr/>
         <p:txBody>
           <a:bodyPr/>
+          <a:lstStyle/>
           <a:p>
             <a:pPr algn="ctr"/>
             <a:r>
-              <a:rPr lang="en-IN" altLang="en-US" b="1"/>
-              <a:t>Class Diagram for User</a:t>
-            </a:r>
-            <a:endParaRPr lang="en-IN" altLang="en-US" b="1"/>
-          </a:p>
-        </p:txBody>
-      </p:sp>
-      <p:pic>
-        <p:nvPicPr>
-          <p:cNvPr id="4" name="Content Placeholder 3" descr="User Class Diagram"/>
-          <p:cNvPicPr>
-            <a:picLocks noChangeAspect="1"/>
-          </p:cNvPicPr>
+              <a:rPr lang="en-IN" b="1" dirty="0"/>
+              <a:t>Registration and Login Service</a:t>
+            </a:r>
+          </a:p>
+        </p:txBody>
+      </p:sp>
+      <p:sp>
+        <p:nvSpPr>
+          <p:cNvPr id="3" name="Content Placeholder 2">
+            <a:extLst>
+              <a:ext uri="{FF2B5EF4-FFF2-40B4-BE49-F238E27FC236}">
+                <a16:creationId xmlns:a16="http://schemas.microsoft.com/office/drawing/2014/main" id="{78B7899F-E00B-4B9A-AABC-BAC8E59F5C7D}"/>
+              </a:ext>
+            </a:extLst>
+          </p:cNvPr>
+          <p:cNvSpPr>
+            <a:spLocks noGrp="1"/>
+          </p:cNvSpPr>
           <p:nvPr>
             <p:ph idx="1"/>
           </p:nvPr>
-        </p:nvPicPr>
-        <p:blipFill>
-          <a:blip r:embed="rId1"/>
-          <a:stretch>
-            <a:fillRect/>
-          </a:stretch>
-        </p:blipFill>
-        <p:spPr>
-          <a:xfrm>
-            <a:off x="659765" y="1621155"/>
-            <a:ext cx="11356975" cy="5014595"/>
-          </a:xfrm>
-          <a:prstGeom prst="rect">
-            <a:avLst/>
-          </a:prstGeom>
-        </p:spPr>
-      </p:pic>
+        </p:nvSpPr>
+        <p:spPr/>
+        <p:txBody>
+          <a:bodyPr>
+            <a:normAutofit lnSpcReduction="10000"/>
+          </a:bodyPr>
+          <a:lstStyle/>
+          <a:p>
+            <a:r>
+              <a:rPr lang="en-IN" dirty="0"/>
+              <a:t>User can register via email, name, password and </a:t>
+            </a:r>
+            <a:r>
+              <a:rPr lang="en-IN" dirty="0" err="1"/>
+              <a:t>mobileNo</a:t>
+            </a:r>
+            <a:r>
+              <a:rPr lang="en-IN" dirty="0"/>
+              <a:t>.</a:t>
+            </a:r>
+          </a:p>
+          <a:p>
+            <a:r>
+              <a:rPr lang="en-IN" dirty="0"/>
+              <a:t>User can login via email and password</a:t>
+            </a:r>
+          </a:p>
+          <a:p>
+            <a:r>
+              <a:rPr lang="en-IN" dirty="0"/>
+              <a:t>Implemented </a:t>
+            </a:r>
+            <a:r>
+              <a:rPr lang="en-IN" dirty="0" err="1"/>
+              <a:t>jwt</a:t>
+            </a:r>
+            <a:r>
+              <a:rPr lang="en-IN" dirty="0"/>
+              <a:t> and role based authentication.</a:t>
+            </a:r>
+          </a:p>
+          <a:p>
+            <a:r>
+              <a:rPr lang="en-IN" dirty="0"/>
+              <a:t>After login </a:t>
+            </a:r>
+            <a:r>
+              <a:rPr lang="en-IN" dirty="0" err="1"/>
+              <a:t>jwt</a:t>
+            </a:r>
+            <a:r>
+              <a:rPr lang="en-IN" dirty="0"/>
+              <a:t> token will generate.</a:t>
+            </a:r>
+          </a:p>
+          <a:p>
+            <a:r>
+              <a:rPr lang="en-IN" dirty="0"/>
+              <a:t>Using that </a:t>
+            </a:r>
+            <a:r>
+              <a:rPr lang="en-IN" dirty="0" err="1"/>
+              <a:t>jwt</a:t>
+            </a:r>
+            <a:r>
+              <a:rPr lang="en-IN" dirty="0"/>
+              <a:t> token user can access other services without login again.</a:t>
+            </a:r>
+          </a:p>
+          <a:p>
+            <a:endParaRPr lang="en-IN" dirty="0"/>
+          </a:p>
+          <a:p>
+            <a:r>
+              <a:rPr lang="en-IN" dirty="0"/>
+              <a:t>Login </a:t>
+            </a:r>
+            <a:r>
+              <a:rPr lang="en-IN" dirty="0" err="1"/>
+              <a:t>api</a:t>
+            </a:r>
+            <a:endParaRPr lang="en-IN" dirty="0"/>
+          </a:p>
+          <a:p>
+            <a:r>
+              <a:rPr lang="en-IN" dirty="0"/>
+              <a:t>Registration </a:t>
+            </a:r>
+            <a:r>
+              <a:rPr lang="en-IN" dirty="0" err="1"/>
+              <a:t>api</a:t>
+            </a:r>
+            <a:endParaRPr lang="en-IN" dirty="0"/>
+          </a:p>
+          <a:p>
+            <a:endParaRPr lang="en-IN" dirty="0"/>
+          </a:p>
+        </p:txBody>
+      </p:sp>
     </p:spTree>
+    <p:extLst>
+      <p:ext uri="{BB962C8B-B14F-4D97-AF65-F5344CB8AC3E}">
+        <p14:creationId xmlns:p14="http://schemas.microsoft.com/office/powerpoint/2010/main" val="2063783771"/>
+      </p:ext>
+    </p:extLst>
   </p:cSld>
   <p:clrMapOvr>
     <a:masterClrMapping/>
@@ -4108,6 +4948,8 @@
       </a:bgFillStyleLst>
     </a:fmtScheme>
   </a:themeElements>
+  <a:objectDefaults/>
+  <a:extraClrSchemeLst/>
   <a:extLst>
     <a:ext uri="{05A4C25C-085E-4340-85A3-A5531E510DB2}">
       <thm15:themeFamily xmlns:thm15="http://schemas.microsoft.com/office/thememl/2012/main" name="Office Theme" id="{62F939B6-93AF-4DB8-9C6B-D6C7DFDC589F}" vid="{4A3C46E8-61CC-4603-A589-7422A47A8E4A}"/>
